--- a/cs410_CourseProject_MenuCrawler.pptx
+++ b/cs410_CourseProject_MenuCrawler.pptx
@@ -110,6 +110,11 @@
       </a:defRPr>
     </a:lvl9pPr>
   </p:defaultTextStyle>
+  <p:extLst>
+    <p:ext uri="{EFAFB233-063F-42B5-8137-9DF3F51BA10A}">
+      <p15:sldGuideLst xmlns:p15="http://schemas.microsoft.com/office/powerpoint/2012/main"/>
+    </p:ext>
+  </p:extLst>
 </p:presentation>
 </file>
 
@@ -7064,7 +7069,9 @@
         </p:nvSpPr>
         <p:spPr/>
         <p:txBody>
-          <a:bodyPr/>
+          <a:bodyPr>
+            <a:normAutofit lnSpcReduction="10000"/>
+          </a:bodyPr>
           <a:lstStyle/>
           <a:p>
             <a:r>
@@ -7090,7 +7097,7 @@
             <a:pPr lvl="1"/>
             <a:r>
               <a:rPr lang="en-US" sz="2200" dirty="0"/>
-              <a:t>This tool crawls the URLs, </a:t>
+              <a:t>This tool crawls the URLs, classifies the pages that contain menu.</a:t>
             </a:r>
           </a:p>
           <a:p>
@@ -7390,12 +7397,15 @@
         </p:nvSpPr>
         <p:spPr>
           <a:xfrm>
-            <a:off x="6251924" y="4296893"/>
+            <a:off x="6045429" y="4966100"/>
             <a:ext cx="2209883" cy="1535745"/>
           </a:xfrm>
           <a:prstGeom prst="roundRect">
             <a:avLst/>
           </a:prstGeom>
+          <a:solidFill>
+            <a:srgbClr val="FF0000"/>
+          </a:solidFill>
         </p:spPr>
         <p:style>
           <a:lnRef idx="2">
@@ -7509,7 +7519,7 @@
         <p:spPr>
           <a:xfrm>
             <a:off x="2544131" y="5444385"/>
-            <a:ext cx="1476045" cy="369332"/>
+            <a:ext cx="1540165" cy="369332"/>
           </a:xfrm>
           <a:prstGeom prst="rect">
             <a:avLst/>
@@ -7524,15 +7534,7 @@
           <a:p>
             <a:r>
               <a:rPr lang="en-US" dirty="0"/>
-              <a:t>1. </a:t>
-            </a:r>
-            <a:r>
-              <a:rPr lang="en-US" dirty="0" err="1"/>
-              <a:t>Listof</a:t>
-            </a:r>
-            <a:r>
-              <a:rPr lang="en-US" dirty="0"/>
-              <a:t> URLs</a:t>
+              <a:t>1. List of URLs</a:t>
             </a:r>
           </a:p>
         </p:txBody>
@@ -7648,7 +7650,7 @@
         </p:nvSpPr>
         <p:spPr>
           <a:xfrm>
-            <a:off x="6372812" y="4514499"/>
+            <a:off x="6166317" y="5134278"/>
             <a:ext cx="2002503" cy="510083"/>
           </a:xfrm>
           <a:prstGeom prst="roundRect">
@@ -7704,7 +7706,7 @@
         </p:nvSpPr>
         <p:spPr>
           <a:xfrm>
-            <a:off x="6372812" y="5032836"/>
+            <a:off x="6166317" y="5702043"/>
             <a:ext cx="2002503" cy="510083"/>
           </a:xfrm>
           <a:prstGeom prst="roundRect">
@@ -7757,8 +7759,8 @@
         </p:nvSpPr>
         <p:spPr>
           <a:xfrm>
-            <a:off x="2345635" y="4381520"/>
-            <a:ext cx="1729408" cy="855459"/>
+            <a:off x="2681665" y="4381520"/>
+            <a:ext cx="1393377" cy="855459"/>
           </a:xfrm>
           <a:prstGeom prst="roundRect">
             <a:avLst/>
@@ -7806,7 +7808,7 @@
         </p:nvSpPr>
         <p:spPr>
           <a:xfrm>
-            <a:off x="6876170" y="5463306"/>
+            <a:off x="6669675" y="6132513"/>
             <a:ext cx="995785" cy="369332"/>
           </a:xfrm>
           <a:prstGeom prst="rect">
@@ -7847,6 +7849,9 @@
           <a:prstGeom prst="roundRect">
             <a:avLst/>
           </a:prstGeom>
+          <a:solidFill>
+            <a:srgbClr val="FF0000"/>
+          </a:solidFill>
         </p:spPr>
         <p:style>
           <a:lnRef idx="2">
@@ -8159,50 +8164,6 @@
           </a:fontRef>
         </p:style>
       </p:cxnSp>
-      <p:cxnSp>
-        <p:nvCxnSpPr>
-          <p:cNvPr id="31" name="Straight Arrow Connector 30">
-            <a:extLst>
-              <a:ext uri="{FF2B5EF4-FFF2-40B4-BE49-F238E27FC236}">
-                <a16:creationId xmlns:a16="http://schemas.microsoft.com/office/drawing/2014/main" id="{B8AF168C-21AE-A54F-BC99-356D83203D91}"/>
-              </a:ext>
-            </a:extLst>
-          </p:cNvPr>
-          <p:cNvCxnSpPr>
-            <a:cxnSpLocks/>
-          </p:cNvCxnSpPr>
-          <p:nvPr/>
-        </p:nvCxnSpPr>
-        <p:spPr>
-          <a:xfrm>
-            <a:off x="4060323" y="4891914"/>
-            <a:ext cx="2191601" cy="0"/>
-          </a:xfrm>
-          <a:prstGeom prst="straightConnector1">
-            <a:avLst/>
-          </a:prstGeom>
-          <a:ln w="25400">
-            <a:solidFill>
-              <a:schemeClr val="accent3"/>
-            </a:solidFill>
-            <a:tailEnd type="triangle"/>
-          </a:ln>
-        </p:spPr>
-        <p:style>
-          <a:lnRef idx="1">
-            <a:schemeClr val="accent1"/>
-          </a:lnRef>
-          <a:fillRef idx="0">
-            <a:schemeClr val="accent1"/>
-          </a:fillRef>
-          <a:effectRef idx="0">
-            <a:schemeClr val="accent1"/>
-          </a:effectRef>
-          <a:fontRef idx="minor">
-            <a:schemeClr val="tx1"/>
-          </a:fontRef>
-        </p:style>
-      </p:cxnSp>
       <p:sp>
         <p:nvSpPr>
           <p:cNvPr id="32" name="TextBox 31">
@@ -8217,8 +8178,8 @@
         </p:nvSpPr>
         <p:spPr>
           <a:xfrm>
-            <a:off x="1366553" y="3989448"/>
-            <a:ext cx="2792111" cy="369332"/>
+            <a:off x="1574723" y="4012677"/>
+            <a:ext cx="2555187" cy="369332"/>
           </a:xfrm>
           <a:prstGeom prst="rect">
             <a:avLst/>
@@ -8233,7 +8194,7 @@
           <a:p>
             <a:r>
               <a:rPr lang="en-US" dirty="0"/>
-              <a:t>2. URLS+ Classifier Instance</a:t>
+              <a:t>2b. Downloaded Content</a:t>
             </a:r>
           </a:p>
         </p:txBody>
@@ -8252,7 +8213,7 @@
         </p:nvSpPr>
         <p:spPr>
           <a:xfrm>
-            <a:off x="4232521" y="2881101"/>
+            <a:off x="4245157" y="2644123"/>
             <a:ext cx="1393377" cy="923330"/>
           </a:xfrm>
           <a:prstGeom prst="rect">
@@ -8268,7 +8229,7 @@
           <a:p>
             <a:r>
               <a:rPr lang="en-US" dirty="0"/>
-              <a:t>3. Classify using Page Data</a:t>
+              <a:t>4. Classify using Page Data</a:t>
             </a:r>
           </a:p>
         </p:txBody>
@@ -8303,7 +8264,7 @@
           <a:p>
             <a:r>
               <a:rPr lang="en-US" dirty="0"/>
-              <a:t>5. Uses pre-indexed training data set</a:t>
+              <a:t>6. Uses pre-indexed training data set</a:t>
             </a:r>
           </a:p>
         </p:txBody>
@@ -8338,7 +8299,7 @@
           <a:p>
             <a:r>
               <a:rPr lang="en-US" dirty="0"/>
-              <a:t>4. Uses </a:t>
+              <a:t>5. Uses </a:t>
             </a:r>
             <a:r>
               <a:rPr lang="en-US" dirty="0" err="1"/>
@@ -8447,12 +8408,150 @@
           </a:p>
         </p:txBody>
       </p:sp>
-      <p:sp>
-        <p:nvSpPr>
-          <p:cNvPr id="45" name="TextBox 44">
+      <p:cxnSp>
+        <p:nvCxnSpPr>
+          <p:cNvPr id="5" name="Elbow Connector 4">
             <a:extLst>
               <a:ext uri="{FF2B5EF4-FFF2-40B4-BE49-F238E27FC236}">
-                <a16:creationId xmlns:a16="http://schemas.microsoft.com/office/drawing/2014/main" id="{BF3B8D38-F0FA-E84B-AE4C-BA896760FE03}"/>
+                <a16:creationId xmlns:a16="http://schemas.microsoft.com/office/drawing/2014/main" id="{540E8182-66A1-284F-BB90-2CE9E3439B03}"/>
+              </a:ext>
+            </a:extLst>
+          </p:cNvPr>
+          <p:cNvCxnSpPr>
+            <a:cxnSpLocks/>
+            <a:stCxn id="17" idx="3"/>
+          </p:cNvCxnSpPr>
+          <p:nvPr/>
+        </p:nvCxnSpPr>
+        <p:spPr>
+          <a:xfrm>
+            <a:off x="4075042" y="4809250"/>
+            <a:ext cx="1883895" cy="1149905"/>
+          </a:xfrm>
+          <a:prstGeom prst="bentConnector3">
+            <a:avLst/>
+          </a:prstGeom>
+          <a:ln w="19050">
+            <a:solidFill>
+              <a:schemeClr val="accent3"/>
+            </a:solidFill>
+            <a:tailEnd type="triangle"/>
+          </a:ln>
+        </p:spPr>
+        <p:style>
+          <a:lnRef idx="1">
+            <a:schemeClr val="accent1"/>
+          </a:lnRef>
+          <a:fillRef idx="0">
+            <a:schemeClr val="accent1"/>
+          </a:fillRef>
+          <a:effectRef idx="0">
+            <a:schemeClr val="accent1"/>
+          </a:effectRef>
+          <a:fontRef idx="minor">
+            <a:schemeClr val="tx1"/>
+          </a:fontRef>
+        </p:style>
+      </p:cxnSp>
+      <p:sp>
+        <p:nvSpPr>
+          <p:cNvPr id="30" name="Rounded Rectangle 29">
+            <a:extLst>
+              <a:ext uri="{FF2B5EF4-FFF2-40B4-BE49-F238E27FC236}">
+                <a16:creationId xmlns:a16="http://schemas.microsoft.com/office/drawing/2014/main" id="{F234A6E0-91AA-5A46-A1E7-D1D7F73BC361}"/>
+              </a:ext>
+            </a:extLst>
+          </p:cNvPr>
+          <p:cNvSpPr/>
+          <p:nvPr/>
+        </p:nvSpPr>
+        <p:spPr>
+          <a:xfrm>
+            <a:off x="6115351" y="4271832"/>
+            <a:ext cx="1683045" cy="444776"/>
+          </a:xfrm>
+          <a:prstGeom prst="roundRect">
+            <a:avLst/>
+          </a:prstGeom>
+        </p:spPr>
+        <p:style>
+          <a:lnRef idx="2">
+            <a:schemeClr val="accent1">
+              <a:shade val="50000"/>
+            </a:schemeClr>
+          </a:lnRef>
+          <a:fillRef idx="1">
+            <a:schemeClr val="accent1"/>
+          </a:fillRef>
+          <a:effectRef idx="0">
+            <a:schemeClr val="accent1"/>
+          </a:effectRef>
+          <a:fontRef idx="minor">
+            <a:schemeClr val="lt1"/>
+          </a:fontRef>
+        </p:style>
+        <p:txBody>
+          <a:bodyPr rtlCol="0" anchor="ctr"/>
+          <a:lstStyle/>
+          <a:p>
+            <a:pPr algn="ctr"/>
+            <a:r>
+              <a:rPr lang="en-US" dirty="0"/>
+              <a:t>Beautiful Soup</a:t>
+            </a:r>
+          </a:p>
+        </p:txBody>
+      </p:sp>
+      <p:cxnSp>
+        <p:nvCxnSpPr>
+          <p:cNvPr id="34" name="Elbow Connector 33">
+            <a:extLst>
+              <a:ext uri="{FF2B5EF4-FFF2-40B4-BE49-F238E27FC236}">
+                <a16:creationId xmlns:a16="http://schemas.microsoft.com/office/drawing/2014/main" id="{6B637AAE-72E7-E645-A865-994077396FC4}"/>
+              </a:ext>
+            </a:extLst>
+          </p:cNvPr>
+          <p:cNvCxnSpPr>
+            <a:cxnSpLocks/>
+          </p:cNvCxnSpPr>
+          <p:nvPr/>
+        </p:nvCxnSpPr>
+        <p:spPr>
+          <a:xfrm>
+            <a:off x="4129910" y="3771766"/>
+            <a:ext cx="1892809" cy="796552"/>
+          </a:xfrm>
+          <a:prstGeom prst="bentConnector3">
+            <a:avLst/>
+          </a:prstGeom>
+          <a:ln w="19050">
+            <a:solidFill>
+              <a:schemeClr val="accent3"/>
+            </a:solidFill>
+            <a:tailEnd type="triangle"/>
+          </a:ln>
+        </p:spPr>
+        <p:style>
+          <a:lnRef idx="1">
+            <a:schemeClr val="accent1"/>
+          </a:lnRef>
+          <a:fillRef idx="0">
+            <a:schemeClr val="accent1"/>
+          </a:fillRef>
+          <a:effectRef idx="0">
+            <a:schemeClr val="accent1"/>
+          </a:effectRef>
+          <a:fontRef idx="minor">
+            <a:schemeClr val="tx1"/>
+          </a:fontRef>
+        </p:style>
+      </p:cxnSp>
+      <p:sp>
+        <p:nvSpPr>
+          <p:cNvPr id="36" name="TextBox 35">
+            <a:extLst>
+              <a:ext uri="{FF2B5EF4-FFF2-40B4-BE49-F238E27FC236}">
+                <a16:creationId xmlns:a16="http://schemas.microsoft.com/office/drawing/2014/main" id="{8044E81C-4746-9C4A-B146-1D2ECADBA417}"/>
               </a:ext>
             </a:extLst>
           </p:cNvPr>
@@ -8461,8 +8560,8 @@
         </p:nvSpPr>
         <p:spPr>
           <a:xfrm>
-            <a:off x="4187558" y="4532120"/>
-            <a:ext cx="2007858" cy="369332"/>
+            <a:off x="4833404" y="3907268"/>
+            <a:ext cx="1393377" cy="923330"/>
           </a:xfrm>
           <a:prstGeom prst="rect">
             <a:avLst/>
@@ -8477,7 +8576,304 @@
           <a:p>
             <a:r>
               <a:rPr lang="en-US" dirty="0"/>
-              <a:t>6. </a:t>
+              <a:t>3. Extract Text data from Page</a:t>
+            </a:r>
+          </a:p>
+        </p:txBody>
+      </p:sp>
+      <p:sp>
+        <p:nvSpPr>
+          <p:cNvPr id="37" name="TextBox 36">
+            <a:extLst>
+              <a:ext uri="{FF2B5EF4-FFF2-40B4-BE49-F238E27FC236}">
+                <a16:creationId xmlns:a16="http://schemas.microsoft.com/office/drawing/2014/main" id="{E23C63CD-FDB1-A94C-AC85-AEA004C406DD}"/>
+              </a:ext>
+            </a:extLst>
+          </p:cNvPr>
+          <p:cNvSpPr txBox="1"/>
+          <p:nvPr/>
+        </p:nvSpPr>
+        <p:spPr>
+          <a:xfrm>
+            <a:off x="4479153" y="5987365"/>
+            <a:ext cx="1834667" cy="923330"/>
+          </a:xfrm>
+          <a:prstGeom prst="rect">
+            <a:avLst/>
+          </a:prstGeom>
+          <a:noFill/>
+        </p:spPr>
+        <p:txBody>
+          <a:bodyPr wrap="square" rtlCol="0">
+            <a:spAutoFit/>
+          </a:bodyPr>
+          <a:lstStyle/>
+          <a:p>
+            <a:r>
+              <a:rPr lang="en-US" dirty="0"/>
+              <a:t>7. Save Menu Links, processed links</a:t>
+            </a:r>
+          </a:p>
+        </p:txBody>
+      </p:sp>
+      <p:cxnSp>
+        <p:nvCxnSpPr>
+          <p:cNvPr id="38" name="Straight Arrow Connector 37">
+            <a:extLst>
+              <a:ext uri="{FF2B5EF4-FFF2-40B4-BE49-F238E27FC236}">
+                <a16:creationId xmlns:a16="http://schemas.microsoft.com/office/drawing/2014/main" id="{46CF087B-1D61-9043-929C-DB738B087D9C}"/>
+              </a:ext>
+            </a:extLst>
+          </p:cNvPr>
+          <p:cNvCxnSpPr>
+            <a:cxnSpLocks/>
+            <a:stCxn id="17" idx="1"/>
+            <a:endCxn id="41" idx="3"/>
+          </p:cNvCxnSpPr>
+          <p:nvPr/>
+        </p:nvCxnSpPr>
+        <p:spPr>
+          <a:xfrm flipH="1" flipV="1">
+            <a:off x="1164968" y="4809249"/>
+            <a:ext cx="1516697" cy="1"/>
+          </a:xfrm>
+          <a:prstGeom prst="straightConnector1">
+            <a:avLst/>
+          </a:prstGeom>
+          <a:ln w="25400">
+            <a:solidFill>
+              <a:schemeClr val="accent3"/>
+            </a:solidFill>
+            <a:tailEnd type="triangle"/>
+          </a:ln>
+        </p:spPr>
+        <p:style>
+          <a:lnRef idx="1">
+            <a:schemeClr val="accent1"/>
+          </a:lnRef>
+          <a:fillRef idx="0">
+            <a:schemeClr val="accent1"/>
+          </a:fillRef>
+          <a:effectRef idx="0">
+            <a:schemeClr val="accent1"/>
+          </a:effectRef>
+          <a:fontRef idx="minor">
+            <a:schemeClr val="tx1"/>
+          </a:fontRef>
+        </p:style>
+      </p:cxnSp>
+      <p:sp>
+        <p:nvSpPr>
+          <p:cNvPr id="41" name="Rounded Rectangle 40">
+            <a:extLst>
+              <a:ext uri="{FF2B5EF4-FFF2-40B4-BE49-F238E27FC236}">
+                <a16:creationId xmlns:a16="http://schemas.microsoft.com/office/drawing/2014/main" id="{67097E50-2D1A-9C4A-8B8C-63328332EB61}"/>
+              </a:ext>
+            </a:extLst>
+          </p:cNvPr>
+          <p:cNvSpPr/>
+          <p:nvPr/>
+        </p:nvSpPr>
+        <p:spPr>
+          <a:xfrm>
+            <a:off x="157978" y="4481802"/>
+            <a:ext cx="1006990" cy="654894"/>
+          </a:xfrm>
+          <a:prstGeom prst="roundRect">
+            <a:avLst/>
+          </a:prstGeom>
+        </p:spPr>
+        <p:style>
+          <a:lnRef idx="2">
+            <a:schemeClr val="accent1">
+              <a:shade val="50000"/>
+            </a:schemeClr>
+          </a:lnRef>
+          <a:fillRef idx="1">
+            <a:schemeClr val="accent1"/>
+          </a:fillRef>
+          <a:effectRef idx="0">
+            <a:schemeClr val="accent1"/>
+          </a:effectRef>
+          <a:fontRef idx="minor">
+            <a:schemeClr val="lt1"/>
+          </a:fontRef>
+        </p:style>
+        <p:txBody>
+          <a:bodyPr rtlCol="0" anchor="ctr"/>
+          <a:lstStyle/>
+          <a:p>
+            <a:pPr algn="ctr"/>
+            <a:r>
+              <a:rPr lang="en-US" dirty="0"/>
+              <a:t>Down loader</a:t>
+            </a:r>
+          </a:p>
+        </p:txBody>
+      </p:sp>
+      <p:sp>
+        <p:nvSpPr>
+          <p:cNvPr id="44" name="TextBox 43">
+            <a:extLst>
+              <a:ext uri="{FF2B5EF4-FFF2-40B4-BE49-F238E27FC236}">
+                <a16:creationId xmlns:a16="http://schemas.microsoft.com/office/drawing/2014/main" id="{3382F97B-30FD-7146-91EC-F594D3DBDF0F}"/>
+              </a:ext>
+            </a:extLst>
+          </p:cNvPr>
+          <p:cNvSpPr txBox="1"/>
+          <p:nvPr/>
+        </p:nvSpPr>
+        <p:spPr>
+          <a:xfrm>
+            <a:off x="1285855" y="4758029"/>
+            <a:ext cx="1580001" cy="646331"/>
+          </a:xfrm>
+          <a:prstGeom prst="rect">
+            <a:avLst/>
+          </a:prstGeom>
+          <a:noFill/>
+        </p:spPr>
+        <p:txBody>
+          <a:bodyPr wrap="square" rtlCol="0">
+            <a:spAutoFit/>
+          </a:bodyPr>
+          <a:lstStyle/>
+          <a:p>
+            <a:r>
+              <a:rPr lang="en-US" dirty="0"/>
+              <a:t>2a. Download pages</a:t>
+            </a:r>
+          </a:p>
+        </p:txBody>
+      </p:sp>
+      <p:cxnSp>
+        <p:nvCxnSpPr>
+          <p:cNvPr id="50" name="Straight Arrow Connector 49">
+            <a:extLst>
+              <a:ext uri="{FF2B5EF4-FFF2-40B4-BE49-F238E27FC236}">
+                <a16:creationId xmlns:a16="http://schemas.microsoft.com/office/drawing/2014/main" id="{EDBCFD25-7DB0-FA41-AA17-C84431154BAC}"/>
+              </a:ext>
+            </a:extLst>
+          </p:cNvPr>
+          <p:cNvCxnSpPr>
+            <a:cxnSpLocks/>
+            <a:endCxn id="55" idx="2"/>
+          </p:cNvCxnSpPr>
+          <p:nvPr/>
+        </p:nvCxnSpPr>
+        <p:spPr>
+          <a:xfrm>
+            <a:off x="8232169" y="6132512"/>
+            <a:ext cx="1897050" cy="1"/>
+          </a:xfrm>
+          <a:prstGeom prst="straightConnector1">
+            <a:avLst/>
+          </a:prstGeom>
+          <a:ln w="25400">
+            <a:solidFill>
+              <a:schemeClr val="accent3"/>
+            </a:solidFill>
+            <a:tailEnd type="triangle"/>
+          </a:ln>
+        </p:spPr>
+        <p:style>
+          <a:lnRef idx="1">
+            <a:schemeClr val="accent1"/>
+          </a:lnRef>
+          <a:fillRef idx="0">
+            <a:schemeClr val="accent1"/>
+          </a:fillRef>
+          <a:effectRef idx="0">
+            <a:schemeClr val="accent1"/>
+          </a:effectRef>
+          <a:fontRef idx="minor">
+            <a:schemeClr val="tx1"/>
+          </a:fontRef>
+        </p:style>
+      </p:cxnSp>
+      <p:sp>
+        <p:nvSpPr>
+          <p:cNvPr id="55" name="Snip and Round Single Corner Rectangle 54">
+            <a:extLst>
+              <a:ext uri="{FF2B5EF4-FFF2-40B4-BE49-F238E27FC236}">
+                <a16:creationId xmlns:a16="http://schemas.microsoft.com/office/drawing/2014/main" id="{7745493E-CBCB-6649-8C4E-04341849EB83}"/>
+              </a:ext>
+            </a:extLst>
+          </p:cNvPr>
+          <p:cNvSpPr/>
+          <p:nvPr/>
+        </p:nvSpPr>
+        <p:spPr>
+          <a:xfrm>
+            <a:off x="10129219" y="5670848"/>
+            <a:ext cx="1717187" cy="923329"/>
+          </a:xfrm>
+          <a:prstGeom prst="snipRoundRect">
+            <a:avLst/>
+          </a:prstGeom>
+          <a:solidFill>
+            <a:schemeClr val="tx2"/>
+          </a:solidFill>
+        </p:spPr>
+        <p:style>
+          <a:lnRef idx="2">
+            <a:schemeClr val="accent1">
+              <a:shade val="50000"/>
+            </a:schemeClr>
+          </a:lnRef>
+          <a:fillRef idx="1">
+            <a:schemeClr val="accent1"/>
+          </a:fillRef>
+          <a:effectRef idx="0">
+            <a:schemeClr val="accent1"/>
+          </a:effectRef>
+          <a:fontRef idx="minor">
+            <a:schemeClr val="lt1"/>
+          </a:fontRef>
+        </p:style>
+        <p:txBody>
+          <a:bodyPr rtlCol="0" anchor="ctr"/>
+          <a:lstStyle/>
+          <a:p>
+            <a:pPr algn="ctr"/>
+            <a:r>
+              <a:rPr lang="en-US" dirty="0"/>
+              <a:t>Final results</a:t>
+            </a:r>
+          </a:p>
+        </p:txBody>
+      </p:sp>
+      <p:sp>
+        <p:nvSpPr>
+          <p:cNvPr id="57" name="TextBox 56">
+            <a:extLst>
+              <a:ext uri="{FF2B5EF4-FFF2-40B4-BE49-F238E27FC236}">
+                <a16:creationId xmlns:a16="http://schemas.microsoft.com/office/drawing/2014/main" id="{C3899D18-9E50-094D-AA8C-FD560ABB4B9F}"/>
+              </a:ext>
+            </a:extLst>
+          </p:cNvPr>
+          <p:cNvSpPr txBox="1"/>
+          <p:nvPr/>
+        </p:nvSpPr>
+        <p:spPr>
+          <a:xfrm>
+            <a:off x="8376200" y="5748799"/>
+            <a:ext cx="1834667" cy="923330"/>
+          </a:xfrm>
+          <a:prstGeom prst="rect">
+            <a:avLst/>
+          </a:prstGeom>
+          <a:noFill/>
+        </p:spPr>
+        <p:txBody>
+          <a:bodyPr wrap="square" rtlCol="0">
+            <a:spAutoFit/>
+          </a:bodyPr>
+          <a:lstStyle/>
+          <a:p>
+            <a:r>
+              <a:rPr lang="en-US" dirty="0"/>
+              <a:t>8. Save Menu Links, processed links</a:t>
             </a:r>
           </a:p>
         </p:txBody>
